--- a/Health care system flow.pptx
+++ b/Health care system flow.pptx
@@ -6,14 +6,15 @@
   </p:sldMasterIdLst>
   <p:sldIdLst>
     <p:sldId id="256" r:id="rId2"/>
-    <p:sldId id="257" r:id="rId3"/>
-    <p:sldId id="264" r:id="rId4"/>
-    <p:sldId id="258" r:id="rId5"/>
-    <p:sldId id="261" r:id="rId6"/>
-    <p:sldId id="259" r:id="rId7"/>
-    <p:sldId id="260" r:id="rId8"/>
-    <p:sldId id="263" r:id="rId9"/>
-    <p:sldId id="262" r:id="rId10"/>
+    <p:sldId id="265" r:id="rId3"/>
+    <p:sldId id="257" r:id="rId4"/>
+    <p:sldId id="264" r:id="rId5"/>
+    <p:sldId id="258" r:id="rId6"/>
+    <p:sldId id="261" r:id="rId7"/>
+    <p:sldId id="259" r:id="rId8"/>
+    <p:sldId id="260" r:id="rId9"/>
+    <p:sldId id="263" r:id="rId10"/>
+    <p:sldId id="262" r:id="rId11"/>
   </p:sldIdLst>
   <p:sldSz cx="12192000" cy="6858000"/>
   <p:notesSz cx="6858000" cy="9144000"/>
@@ -283,7 +284,7 @@
           <a:p>
             <a:fld id="{F1D35F8A-2A6C-45D8-92ED-42CF839A2B67}" type="datetimeFigureOut">
               <a:rPr lang="zh-TW" altLang="en-US" smtClean="0"/>
-              <a:t>2022/3/14</a:t>
+              <a:t>2022/3/15</a:t>
             </a:fld>
             <a:endParaRPr lang="zh-TW" altLang="en-US"/>
           </a:p>
@@ -453,7 +454,7 @@
           <a:p>
             <a:fld id="{F1D35F8A-2A6C-45D8-92ED-42CF839A2B67}" type="datetimeFigureOut">
               <a:rPr lang="zh-TW" altLang="en-US" smtClean="0"/>
-              <a:t>2022/3/14</a:t>
+              <a:t>2022/3/15</a:t>
             </a:fld>
             <a:endParaRPr lang="zh-TW" altLang="en-US"/>
           </a:p>
@@ -633,7 +634,7 @@
           <a:p>
             <a:fld id="{F1D35F8A-2A6C-45D8-92ED-42CF839A2B67}" type="datetimeFigureOut">
               <a:rPr lang="zh-TW" altLang="en-US" smtClean="0"/>
-              <a:t>2022/3/14</a:t>
+              <a:t>2022/3/15</a:t>
             </a:fld>
             <a:endParaRPr lang="zh-TW" altLang="en-US"/>
           </a:p>
@@ -803,7 +804,7 @@
           <a:p>
             <a:fld id="{F1D35F8A-2A6C-45D8-92ED-42CF839A2B67}" type="datetimeFigureOut">
               <a:rPr lang="zh-TW" altLang="en-US" smtClean="0"/>
-              <a:t>2022/3/14</a:t>
+              <a:t>2022/3/15</a:t>
             </a:fld>
             <a:endParaRPr lang="zh-TW" altLang="en-US"/>
           </a:p>
@@ -1071,7 +1072,7 @@
           <a:p>
             <a:fld id="{F1D35F8A-2A6C-45D8-92ED-42CF839A2B67}" type="datetimeFigureOut">
               <a:rPr lang="zh-TW" altLang="en-US" smtClean="0"/>
-              <a:t>2022/3/14</a:t>
+              <a:t>2022/3/15</a:t>
             </a:fld>
             <a:endParaRPr lang="zh-TW" altLang="en-US"/>
           </a:p>
@@ -1303,7 +1304,7 @@
           <a:p>
             <a:fld id="{F1D35F8A-2A6C-45D8-92ED-42CF839A2B67}" type="datetimeFigureOut">
               <a:rPr lang="zh-TW" altLang="en-US" smtClean="0"/>
-              <a:t>2022/3/14</a:t>
+              <a:t>2022/3/15</a:t>
             </a:fld>
             <a:endParaRPr lang="zh-TW" altLang="en-US"/>
           </a:p>
@@ -1662,7 +1663,7 @@
           <a:p>
             <a:fld id="{F1D35F8A-2A6C-45D8-92ED-42CF839A2B67}" type="datetimeFigureOut">
               <a:rPr lang="zh-TW" altLang="en-US" smtClean="0"/>
-              <a:t>2022/3/14</a:t>
+              <a:t>2022/3/15</a:t>
             </a:fld>
             <a:endParaRPr lang="zh-TW" altLang="en-US"/>
           </a:p>
@@ -1803,7 +1804,7 @@
           <a:p>
             <a:fld id="{F1D35F8A-2A6C-45D8-92ED-42CF839A2B67}" type="datetimeFigureOut">
               <a:rPr lang="zh-TW" altLang="en-US" smtClean="0"/>
-              <a:t>2022/3/14</a:t>
+              <a:t>2022/3/15</a:t>
             </a:fld>
             <a:endParaRPr lang="zh-TW" altLang="en-US"/>
           </a:p>
@@ -1898,7 +1899,7 @@
           <a:p>
             <a:fld id="{F1D35F8A-2A6C-45D8-92ED-42CF839A2B67}" type="datetimeFigureOut">
               <a:rPr lang="zh-TW" altLang="en-US" smtClean="0"/>
-              <a:t>2022/3/14</a:t>
+              <a:t>2022/3/15</a:t>
             </a:fld>
             <a:endParaRPr lang="zh-TW" altLang="en-US"/>
           </a:p>
@@ -2255,7 +2256,7 @@
           <a:p>
             <a:fld id="{F1D35F8A-2A6C-45D8-92ED-42CF839A2B67}" type="datetimeFigureOut">
               <a:rPr lang="zh-TW" altLang="en-US" smtClean="0"/>
-              <a:t>2022/3/14</a:t>
+              <a:t>2022/3/15</a:t>
             </a:fld>
             <a:endParaRPr lang="zh-TW" altLang="en-US"/>
           </a:p>
@@ -2612,7 +2613,7 @@
           <a:p>
             <a:fld id="{F1D35F8A-2A6C-45D8-92ED-42CF839A2B67}" type="datetimeFigureOut">
               <a:rPr lang="zh-TW" altLang="en-US" smtClean="0"/>
-              <a:t>2022/3/14</a:t>
+              <a:t>2022/3/15</a:t>
             </a:fld>
             <a:endParaRPr lang="zh-TW" altLang="en-US"/>
           </a:p>
@@ -2854,7 +2855,7 @@
           <a:p>
             <a:fld id="{F1D35F8A-2A6C-45D8-92ED-42CF839A2B67}" type="datetimeFigureOut">
               <a:rPr lang="zh-TW" altLang="en-US" smtClean="0"/>
-              <a:t>2022/3/14</a:t>
+              <a:t>2022/3/15</a:t>
             </a:fld>
             <a:endParaRPr lang="zh-TW" altLang="en-US"/>
           </a:p>
@@ -3387,7 +3388,1324 @@
 </p:sld>
 </file>
 
+<file path=ppt/slides/slide10.xml><?xml version="1.0" encoding="utf-8"?>
+<p:sld xmlns:a="http://schemas.openxmlformats.org/drawingml/2006/main" xmlns:r="http://schemas.openxmlformats.org/officeDocument/2006/relationships" xmlns:p="http://schemas.openxmlformats.org/presentationml/2006/main">
+  <p:cSld>
+    <p:spTree>
+      <p:nvGrpSpPr>
+        <p:cNvPr id="1" name=""/>
+        <p:cNvGrpSpPr/>
+        <p:nvPr/>
+      </p:nvGrpSpPr>
+      <p:grpSpPr>
+        <a:xfrm>
+          <a:off x="0" y="0"/>
+          <a:ext cx="0" cy="0"/>
+          <a:chOff x="0" y="0"/>
+          <a:chExt cx="0" cy="0"/>
+        </a:xfrm>
+      </p:grpSpPr>
+      <p:sp>
+        <p:nvSpPr>
+          <p:cNvPr id="6" name="標題 5">
+            <a:extLst>
+              <a:ext uri="{FF2B5EF4-FFF2-40B4-BE49-F238E27FC236}">
+                <a16:creationId xmlns:a16="http://schemas.microsoft.com/office/drawing/2014/main" id="{5E1AFBEE-E0B8-4E2A-B75B-4DFC2F946F13}"/>
+              </a:ext>
+            </a:extLst>
+          </p:cNvPr>
+          <p:cNvSpPr>
+            <a:spLocks noGrp="1"/>
+          </p:cNvSpPr>
+          <p:nvPr>
+            <p:ph type="title"/>
+          </p:nvPr>
+        </p:nvSpPr>
+        <p:spPr/>
+        <p:txBody>
+          <a:bodyPr/>
+          <a:lstStyle/>
+          <a:p>
+            <a:r>
+              <a:rPr lang="en-US" altLang="zh-TW" dirty="0"/>
+              <a:t>MTKA1</a:t>
+            </a:r>
+            <a:r>
+              <a:rPr lang="zh-TW" altLang="en-US" dirty="0"/>
+              <a:t>體重計封包解析</a:t>
+            </a:r>
+          </a:p>
+        </p:txBody>
+      </p:sp>
+      <p:sp>
+        <p:nvSpPr>
+          <p:cNvPr id="9" name="內容版面配置區 8">
+            <a:extLst>
+              <a:ext uri="{FF2B5EF4-FFF2-40B4-BE49-F238E27FC236}">
+                <a16:creationId xmlns:a16="http://schemas.microsoft.com/office/drawing/2014/main" id="{BF636E14-981C-4D93-8A48-A665498156CE}"/>
+              </a:ext>
+            </a:extLst>
+          </p:cNvPr>
+          <p:cNvSpPr>
+            <a:spLocks noGrp="1"/>
+          </p:cNvSpPr>
+          <p:nvPr>
+            <p:ph sz="half" idx="1"/>
+          </p:nvPr>
+        </p:nvSpPr>
+        <p:spPr/>
+        <p:txBody>
+          <a:bodyPr/>
+          <a:lstStyle/>
+          <a:p>
+            <a:r>
+              <a:rPr lang="zh-TW" altLang="en-US" dirty="0"/>
+              <a:t>開啟掃描並監聽</a:t>
+            </a:r>
+            <a:endParaRPr lang="en-US" altLang="zh-TW" dirty="0"/>
+          </a:p>
+          <a:p>
+            <a:r>
+              <a:rPr lang="zh-TW" altLang="en-US" dirty="0"/>
+              <a:t>資料精度到小數一位</a:t>
+            </a:r>
+            <a:endParaRPr lang="en-US" altLang="zh-TW" dirty="0"/>
+          </a:p>
+          <a:p>
+            <a:r>
+              <a:rPr lang="en-US" altLang="zh-TW" dirty="0"/>
+              <a:t>HEX(57) = DEC(87)/10 = 8.7KG</a:t>
+            </a:r>
+          </a:p>
+          <a:p>
+            <a:r>
+              <a:rPr lang="en-US" altLang="zh-TW" dirty="0"/>
+              <a:t>HEX(013b) = DEC(315)/10 = 31.5KG</a:t>
+            </a:r>
+            <a:endParaRPr lang="zh-TW" altLang="en-US" dirty="0"/>
+          </a:p>
+        </p:txBody>
+      </p:sp>
+      <p:pic>
+        <p:nvPicPr>
+          <p:cNvPr id="10" name="內容版面配置區 4">
+            <a:extLst>
+              <a:ext uri="{FF2B5EF4-FFF2-40B4-BE49-F238E27FC236}">
+                <a16:creationId xmlns:a16="http://schemas.microsoft.com/office/drawing/2014/main" id="{AC08B6D2-520C-44EE-A0D0-8D428796C8DC}"/>
+              </a:ext>
+            </a:extLst>
+          </p:cNvPr>
+          <p:cNvPicPr>
+            <a:picLocks noGrp="1" noChangeAspect="1"/>
+          </p:cNvPicPr>
+          <p:nvPr>
+            <p:ph sz="half" idx="2"/>
+          </p:nvPr>
+        </p:nvPicPr>
+        <p:blipFill>
+          <a:blip r:embed="rId2"/>
+          <a:stretch>
+            <a:fillRect/>
+          </a:stretch>
+        </p:blipFill>
+        <p:spPr>
+          <a:xfrm>
+            <a:off x="6338319" y="2638044"/>
+            <a:ext cx="5836256" cy="3101226"/>
+          </a:xfrm>
+        </p:spPr>
+      </p:pic>
+      <p:pic>
+        <p:nvPicPr>
+          <p:cNvPr id="12" name="圖片 11">
+            <a:extLst>
+              <a:ext uri="{FF2B5EF4-FFF2-40B4-BE49-F238E27FC236}">
+                <a16:creationId xmlns:a16="http://schemas.microsoft.com/office/drawing/2014/main" id="{F788D4E7-24B3-4F21-9C13-A42DFAA7CE7E}"/>
+              </a:ext>
+            </a:extLst>
+          </p:cNvPr>
+          <p:cNvPicPr>
+            <a:picLocks noChangeAspect="1"/>
+          </p:cNvPicPr>
+          <p:nvPr/>
+        </p:nvPicPr>
+        <p:blipFill>
+          <a:blip r:embed="rId3"/>
+          <a:stretch>
+            <a:fillRect/>
+          </a:stretch>
+        </p:blipFill>
+        <p:spPr>
+          <a:xfrm>
+            <a:off x="6338318" y="5823173"/>
+            <a:ext cx="5846975" cy="557962"/>
+          </a:xfrm>
+          <a:prstGeom prst="rect">
+            <a:avLst/>
+          </a:prstGeom>
+        </p:spPr>
+      </p:pic>
+      <p:sp>
+        <p:nvSpPr>
+          <p:cNvPr id="13" name="矩形 12">
+            <a:extLst>
+              <a:ext uri="{FF2B5EF4-FFF2-40B4-BE49-F238E27FC236}">
+                <a16:creationId xmlns:a16="http://schemas.microsoft.com/office/drawing/2014/main" id="{EA132666-D5E6-4063-912C-7B5C69536216}"/>
+              </a:ext>
+            </a:extLst>
+          </p:cNvPr>
+          <p:cNvSpPr/>
+          <p:nvPr/>
+        </p:nvSpPr>
+        <p:spPr>
+          <a:xfrm>
+            <a:off x="8445910" y="5260258"/>
+            <a:ext cx="580103" cy="334297"/>
+          </a:xfrm>
+          <a:prstGeom prst="rect">
+            <a:avLst/>
+          </a:prstGeom>
+          <a:noFill/>
+          <a:ln w="57150">
+            <a:solidFill>
+              <a:srgbClr val="FFFF00"/>
+            </a:solidFill>
+          </a:ln>
+        </p:spPr>
+        <p:style>
+          <a:lnRef idx="2">
+            <a:schemeClr val="accent1">
+              <a:shade val="50000"/>
+            </a:schemeClr>
+          </a:lnRef>
+          <a:fillRef idx="1">
+            <a:schemeClr val="accent1"/>
+          </a:fillRef>
+          <a:effectRef idx="0">
+            <a:schemeClr val="accent1"/>
+          </a:effectRef>
+          <a:fontRef idx="minor">
+            <a:schemeClr val="lt1"/>
+          </a:fontRef>
+        </p:style>
+        <p:txBody>
+          <a:bodyPr rtlCol="0" anchor="ctr"/>
+          <a:lstStyle/>
+          <a:p>
+            <a:pPr algn="ctr"/>
+            <a:endParaRPr lang="zh-TW" altLang="en-US"/>
+          </a:p>
+        </p:txBody>
+      </p:sp>
+      <p:sp>
+        <p:nvSpPr>
+          <p:cNvPr id="16" name="矩形 15">
+            <a:extLst>
+              <a:ext uri="{FF2B5EF4-FFF2-40B4-BE49-F238E27FC236}">
+                <a16:creationId xmlns:a16="http://schemas.microsoft.com/office/drawing/2014/main" id="{0DE93CDE-8BB1-455E-B03E-F7345AC64791}"/>
+              </a:ext>
+            </a:extLst>
+          </p:cNvPr>
+          <p:cNvSpPr/>
+          <p:nvPr/>
+        </p:nvSpPr>
+        <p:spPr>
+          <a:xfrm>
+            <a:off x="8445910" y="5935005"/>
+            <a:ext cx="580103" cy="334297"/>
+          </a:xfrm>
+          <a:prstGeom prst="rect">
+            <a:avLst/>
+          </a:prstGeom>
+          <a:noFill/>
+          <a:ln w="57150">
+            <a:solidFill>
+              <a:srgbClr val="FFFF00"/>
+            </a:solidFill>
+          </a:ln>
+        </p:spPr>
+        <p:style>
+          <a:lnRef idx="2">
+            <a:schemeClr val="accent1">
+              <a:shade val="50000"/>
+            </a:schemeClr>
+          </a:lnRef>
+          <a:fillRef idx="1">
+            <a:schemeClr val="accent1"/>
+          </a:fillRef>
+          <a:effectRef idx="0">
+            <a:schemeClr val="accent1"/>
+          </a:effectRef>
+          <a:fontRef idx="minor">
+            <a:schemeClr val="lt1"/>
+          </a:fontRef>
+        </p:style>
+        <p:txBody>
+          <a:bodyPr rtlCol="0" anchor="ctr"/>
+          <a:lstStyle/>
+          <a:p>
+            <a:pPr algn="ctr"/>
+            <a:endParaRPr lang="zh-TW" altLang="en-US"/>
+          </a:p>
+        </p:txBody>
+      </p:sp>
+    </p:spTree>
+    <p:extLst>
+      <p:ext uri="{BB962C8B-B14F-4D97-AF65-F5344CB8AC3E}">
+        <p14:creationId xmlns:p14="http://schemas.microsoft.com/office/powerpoint/2010/main" val="3464799914"/>
+      </p:ext>
+    </p:extLst>
+  </p:cSld>
+  <p:clrMapOvr>
+    <a:masterClrMapping/>
+  </p:clrMapOvr>
+</p:sld>
+</file>
+
 <file path=ppt/slides/slide2.xml><?xml version="1.0" encoding="utf-8"?>
+<p:sld xmlns:a="http://schemas.openxmlformats.org/drawingml/2006/main" xmlns:r="http://schemas.openxmlformats.org/officeDocument/2006/relationships" xmlns:p="http://schemas.openxmlformats.org/presentationml/2006/main">
+  <p:cSld>
+    <p:spTree>
+      <p:nvGrpSpPr>
+        <p:cNvPr id="1" name=""/>
+        <p:cNvGrpSpPr/>
+        <p:nvPr/>
+      </p:nvGrpSpPr>
+      <p:grpSpPr>
+        <a:xfrm>
+          <a:off x="0" y="0"/>
+          <a:ext cx="0" cy="0"/>
+          <a:chOff x="0" y="0"/>
+          <a:chExt cx="0" cy="0"/>
+        </a:xfrm>
+      </p:grpSpPr>
+      <p:grpSp>
+        <p:nvGrpSpPr>
+          <p:cNvPr id="8" name="群組 7">
+            <a:extLst>
+              <a:ext uri="{FF2B5EF4-FFF2-40B4-BE49-F238E27FC236}">
+                <a16:creationId xmlns:a16="http://schemas.microsoft.com/office/drawing/2014/main" id="{BC18B188-D7B2-4295-8FD4-83A78F20F16A}"/>
+              </a:ext>
+            </a:extLst>
+          </p:cNvPr>
+          <p:cNvGrpSpPr/>
+          <p:nvPr/>
+        </p:nvGrpSpPr>
+        <p:grpSpPr>
+          <a:xfrm>
+            <a:off x="2013340" y="2391335"/>
+            <a:ext cx="1173100" cy="1173100"/>
+            <a:chOff x="1450258" y="3296263"/>
+            <a:chExt cx="2354825" cy="2354825"/>
+          </a:xfrm>
+        </p:grpSpPr>
+        <p:pic>
+          <p:nvPicPr>
+            <p:cNvPr id="5" name="圖形 4" descr="QR 碼 以實心填滿">
+              <a:extLst>
+                <a:ext uri="{FF2B5EF4-FFF2-40B4-BE49-F238E27FC236}">
+                  <a16:creationId xmlns:a16="http://schemas.microsoft.com/office/drawing/2014/main" id="{FAA37D9E-E3D3-46B5-9EDC-524033EA9454}"/>
+                </a:ext>
+              </a:extLst>
+            </p:cNvPr>
+            <p:cNvPicPr>
+              <a:picLocks noChangeAspect="1"/>
+            </p:cNvPicPr>
+            <p:nvPr/>
+          </p:nvPicPr>
+          <p:blipFill>
+            <a:blip r:embed="rId2">
+              <a:extLst>
+                <a:ext uri="{28A0092B-C50C-407E-A947-70E740481C1C}">
+                  <a14:useLocalDpi xmlns:a14="http://schemas.microsoft.com/office/drawing/2010/main" val="0"/>
+                </a:ext>
+                <a:ext uri="{96DAC541-7B7A-43D3-8B79-37D633B846F1}">
+                  <asvg:svgBlip xmlns:asvg="http://schemas.microsoft.com/office/drawing/2016/SVG/main" r:embed="rId3"/>
+                </a:ext>
+              </a:extLst>
+            </a:blip>
+            <a:stretch>
+              <a:fillRect/>
+            </a:stretch>
+          </p:blipFill>
+          <p:spPr>
+            <a:xfrm>
+              <a:off x="2170470" y="3807542"/>
+              <a:ext cx="914400" cy="914400"/>
+            </a:xfrm>
+            <a:prstGeom prst="rect">
+              <a:avLst/>
+            </a:prstGeom>
+          </p:spPr>
+        </p:pic>
+        <p:pic>
+          <p:nvPicPr>
+            <p:cNvPr id="7" name="圖形 6" descr="智慧型手機 以實心填滿">
+              <a:extLst>
+                <a:ext uri="{FF2B5EF4-FFF2-40B4-BE49-F238E27FC236}">
+                  <a16:creationId xmlns:a16="http://schemas.microsoft.com/office/drawing/2014/main" id="{12A9AE69-879A-481F-82DF-60FF1320C1AB}"/>
+                </a:ext>
+              </a:extLst>
+            </p:cNvPr>
+            <p:cNvPicPr>
+              <a:picLocks noChangeAspect="1"/>
+            </p:cNvPicPr>
+            <p:nvPr/>
+          </p:nvPicPr>
+          <p:blipFill>
+            <a:blip r:embed="rId4">
+              <a:extLst>
+                <a:ext uri="{28A0092B-C50C-407E-A947-70E740481C1C}">
+                  <a14:useLocalDpi xmlns:a14="http://schemas.microsoft.com/office/drawing/2010/main" val="0"/>
+                </a:ext>
+                <a:ext uri="{96DAC541-7B7A-43D3-8B79-37D633B846F1}">
+                  <asvg:svgBlip xmlns:asvg="http://schemas.microsoft.com/office/drawing/2016/SVG/main" r:embed="rId5"/>
+                </a:ext>
+              </a:extLst>
+            </a:blip>
+            <a:stretch>
+              <a:fillRect/>
+            </a:stretch>
+          </p:blipFill>
+          <p:spPr>
+            <a:xfrm>
+              <a:off x="1450258" y="3296263"/>
+              <a:ext cx="2354825" cy="2354825"/>
+            </a:xfrm>
+            <a:prstGeom prst="rect">
+              <a:avLst/>
+            </a:prstGeom>
+          </p:spPr>
+        </p:pic>
+      </p:grpSp>
+      <p:pic>
+        <p:nvPicPr>
+          <p:cNvPr id="10" name="圖形 9" descr="網路攝影機 以實心填滿">
+            <a:extLst>
+              <a:ext uri="{FF2B5EF4-FFF2-40B4-BE49-F238E27FC236}">
+                <a16:creationId xmlns:a16="http://schemas.microsoft.com/office/drawing/2014/main" id="{111C5546-4CBC-48EE-BB39-34D6AE02D77E}"/>
+              </a:ext>
+            </a:extLst>
+          </p:cNvPr>
+          <p:cNvPicPr>
+            <a:picLocks noChangeAspect="1"/>
+          </p:cNvPicPr>
+          <p:nvPr/>
+        </p:nvPicPr>
+        <p:blipFill>
+          <a:blip r:embed="rId6">
+            <a:extLst>
+              <a:ext uri="{28A0092B-C50C-407E-A947-70E740481C1C}">
+                <a14:useLocalDpi xmlns:a14="http://schemas.microsoft.com/office/drawing/2010/main" val="0"/>
+              </a:ext>
+              <a:ext uri="{96DAC541-7B7A-43D3-8B79-37D633B846F1}">
+                <asvg:svgBlip xmlns:asvg="http://schemas.microsoft.com/office/drawing/2016/SVG/main" r:embed="rId7"/>
+              </a:ext>
+            </a:extLst>
+          </a:blip>
+          <a:stretch>
+            <a:fillRect/>
+          </a:stretch>
+        </p:blipFill>
+        <p:spPr>
+          <a:xfrm>
+            <a:off x="4852131" y="2085281"/>
+            <a:ext cx="914400" cy="914400"/>
+          </a:xfrm>
+          <a:prstGeom prst="rect">
+            <a:avLst/>
+          </a:prstGeom>
+        </p:spPr>
+      </p:pic>
+      <p:cxnSp>
+        <p:nvCxnSpPr>
+          <p:cNvPr id="12" name="直線單箭頭接點 11">
+            <a:extLst>
+              <a:ext uri="{FF2B5EF4-FFF2-40B4-BE49-F238E27FC236}">
+                <a16:creationId xmlns:a16="http://schemas.microsoft.com/office/drawing/2014/main" id="{FA2ABD67-B4AF-47CF-B3BD-8A79F7B9A321}"/>
+              </a:ext>
+            </a:extLst>
+          </p:cNvPr>
+          <p:cNvCxnSpPr>
+            <a:cxnSpLocks/>
+            <a:stCxn id="7" idx="3"/>
+          </p:cNvCxnSpPr>
+          <p:nvPr/>
+        </p:nvCxnSpPr>
+        <p:spPr>
+          <a:xfrm>
+            <a:off x="3186440" y="2977885"/>
+            <a:ext cx="1276836" cy="0"/>
+          </a:xfrm>
+          <a:prstGeom prst="straightConnector1">
+            <a:avLst/>
+          </a:prstGeom>
+          <a:ln w="57150" cap="flat" cmpd="sng" algn="ctr">
+            <a:solidFill>
+              <a:schemeClr val="dk1"/>
+            </a:solidFill>
+            <a:prstDash val="solid"/>
+            <a:round/>
+            <a:headEnd type="none" w="med" len="med"/>
+            <a:tailEnd type="arrow" w="med" len="med"/>
+          </a:ln>
+        </p:spPr>
+        <p:style>
+          <a:lnRef idx="0">
+            <a:scrgbClr r="0" g="0" b="0"/>
+          </a:lnRef>
+          <a:fillRef idx="0">
+            <a:scrgbClr r="0" g="0" b="0"/>
+          </a:fillRef>
+          <a:effectRef idx="0">
+            <a:scrgbClr r="0" g="0" b="0"/>
+          </a:effectRef>
+          <a:fontRef idx="minor">
+            <a:schemeClr val="tx1"/>
+          </a:fontRef>
+        </p:style>
+      </p:cxnSp>
+      <p:sp>
+        <p:nvSpPr>
+          <p:cNvPr id="13" name="文字方塊 12">
+            <a:extLst>
+              <a:ext uri="{FF2B5EF4-FFF2-40B4-BE49-F238E27FC236}">
+                <a16:creationId xmlns:a16="http://schemas.microsoft.com/office/drawing/2014/main" id="{CF5D0021-C3C7-4FFB-B998-665178DFA27B}"/>
+              </a:ext>
+            </a:extLst>
+          </p:cNvPr>
+          <p:cNvSpPr txBox="1"/>
+          <p:nvPr/>
+        </p:nvSpPr>
+        <p:spPr>
+          <a:xfrm>
+            <a:off x="3135888" y="2219315"/>
+            <a:ext cx="1377941" cy="646331"/>
+          </a:xfrm>
+          <a:prstGeom prst="rect">
+            <a:avLst/>
+          </a:prstGeom>
+          <a:noFill/>
+        </p:spPr>
+        <p:txBody>
+          <a:bodyPr wrap="none" rtlCol="0">
+            <a:spAutoFit/>
+          </a:bodyPr>
+          <a:lstStyle/>
+          <a:p>
+            <a:pPr algn="ctr"/>
+            <a:r>
+              <a:rPr lang="zh-TW" altLang="en-US" dirty="0"/>
+              <a:t>掃描</a:t>
+            </a:r>
+            <a:r>
+              <a:rPr lang="en-US" altLang="zh-TW" dirty="0" err="1"/>
+              <a:t>Qrcode</a:t>
+            </a:r>
+            <a:endParaRPr lang="en-US" altLang="zh-TW" dirty="0"/>
+          </a:p>
+          <a:p>
+            <a:pPr algn="ctr"/>
+            <a:r>
+              <a:rPr lang="zh-TW" altLang="en-US" dirty="0"/>
+              <a:t>取得</a:t>
+            </a:r>
+            <a:r>
+              <a:rPr lang="en-US" altLang="zh-TW" dirty="0"/>
+              <a:t>Token</a:t>
+            </a:r>
+          </a:p>
+        </p:txBody>
+      </p:sp>
+      <p:pic>
+        <p:nvPicPr>
+          <p:cNvPr id="23" name="圖片 22">
+            <a:extLst>
+              <a:ext uri="{FF2B5EF4-FFF2-40B4-BE49-F238E27FC236}">
+                <a16:creationId xmlns:a16="http://schemas.microsoft.com/office/drawing/2014/main" id="{675BC11E-2304-4E9F-AFEB-D599C64E0859}"/>
+              </a:ext>
+            </a:extLst>
+          </p:cNvPr>
+          <p:cNvPicPr>
+            <a:picLocks noChangeAspect="1"/>
+          </p:cNvPicPr>
+          <p:nvPr/>
+        </p:nvPicPr>
+        <p:blipFill rotWithShape="1">
+          <a:blip r:embed="rId8"/>
+          <a:srcRect l="15135" t="9659" b="11837"/>
+          <a:stretch/>
+        </p:blipFill>
+        <p:spPr>
+          <a:xfrm>
+            <a:off x="990320" y="132576"/>
+            <a:ext cx="3472956" cy="1807097"/>
+          </a:xfrm>
+          <a:prstGeom prst="rect">
+            <a:avLst/>
+          </a:prstGeom>
+        </p:spPr>
+      </p:pic>
+      <p:pic>
+        <p:nvPicPr>
+          <p:cNvPr id="1026" name="Picture 2" descr="Raspberry Pi Icon - Download Raspberry Pi Icon 1109535 | Noun Project">
+            <a:extLst>
+              <a:ext uri="{FF2B5EF4-FFF2-40B4-BE49-F238E27FC236}">
+                <a16:creationId xmlns:a16="http://schemas.microsoft.com/office/drawing/2014/main" id="{041D3322-92FA-4C59-9819-FE1CF0637DD7}"/>
+              </a:ext>
+            </a:extLst>
+          </p:cNvPr>
+          <p:cNvPicPr>
+            <a:picLocks noChangeAspect="1" noChangeArrowheads="1"/>
+          </p:cNvPicPr>
+          <p:nvPr/>
+        </p:nvPicPr>
+        <p:blipFill>
+          <a:blip r:embed="rId9">
+            <a:extLst>
+              <a:ext uri="{28A0092B-C50C-407E-A947-70E740481C1C}">
+                <a14:useLocalDpi xmlns:a14="http://schemas.microsoft.com/office/drawing/2010/main" val="0"/>
+              </a:ext>
+            </a:extLst>
+          </a:blip>
+          <a:srcRect/>
+          <a:stretch>
+            <a:fillRect/>
+          </a:stretch>
+        </p:blipFill>
+        <p:spPr bwMode="auto">
+          <a:xfrm>
+            <a:off x="7715451" y="1895309"/>
+            <a:ext cx="1905000" cy="1905000"/>
+          </a:xfrm>
+          <a:prstGeom prst="rect">
+            <a:avLst/>
+          </a:prstGeom>
+          <a:noFill/>
+          <a:extLst>
+            <a:ext uri="{909E8E84-426E-40DD-AFC4-6F175D3DCCD1}">
+              <a14:hiddenFill xmlns:a14="http://schemas.microsoft.com/office/drawing/2010/main">
+                <a:solidFill>
+                  <a:srgbClr val="FFFFFF"/>
+                </a:solidFill>
+              </a14:hiddenFill>
+            </a:ext>
+          </a:extLst>
+        </p:spPr>
+      </p:pic>
+      <p:pic>
+        <p:nvPicPr>
+          <p:cNvPr id="27" name="圖形 26" descr="網際網路 外框">
+            <a:extLst>
+              <a:ext uri="{FF2B5EF4-FFF2-40B4-BE49-F238E27FC236}">
+                <a16:creationId xmlns:a16="http://schemas.microsoft.com/office/drawing/2014/main" id="{500AD21E-68FF-4F9D-BD02-3E02C519E96A}"/>
+              </a:ext>
+            </a:extLst>
+          </p:cNvPr>
+          <p:cNvPicPr>
+            <a:picLocks noChangeAspect="1"/>
+          </p:cNvPicPr>
+          <p:nvPr/>
+        </p:nvPicPr>
+        <p:blipFill>
+          <a:blip r:embed="rId10">
+            <a:extLst>
+              <a:ext uri="{28A0092B-C50C-407E-A947-70E740481C1C}">
+                <a14:useLocalDpi xmlns:a14="http://schemas.microsoft.com/office/drawing/2010/main" val="0"/>
+              </a:ext>
+              <a:ext uri="{96DAC541-7B7A-43D3-8B79-37D633B846F1}">
+                <asvg:svgBlip xmlns:asvg="http://schemas.microsoft.com/office/drawing/2016/SVG/main" r:embed="rId11"/>
+              </a:ext>
+            </a:extLst>
+          </a:blip>
+          <a:stretch>
+            <a:fillRect/>
+          </a:stretch>
+        </p:blipFill>
+        <p:spPr>
+          <a:xfrm>
+            <a:off x="4769057" y="2662095"/>
+            <a:ext cx="1080548" cy="1080548"/>
+          </a:xfrm>
+          <a:prstGeom prst="rect">
+            <a:avLst/>
+          </a:prstGeom>
+        </p:spPr>
+      </p:pic>
+      <p:pic>
+        <p:nvPicPr>
+          <p:cNvPr id="31" name="圖形 30" descr="處理器 以實心填滿">
+            <a:extLst>
+              <a:ext uri="{FF2B5EF4-FFF2-40B4-BE49-F238E27FC236}">
+                <a16:creationId xmlns:a16="http://schemas.microsoft.com/office/drawing/2014/main" id="{A46882D3-9E77-493D-810E-12D5769207C3}"/>
+              </a:ext>
+            </a:extLst>
+          </p:cNvPr>
+          <p:cNvPicPr>
+            <a:picLocks noChangeAspect="1"/>
+          </p:cNvPicPr>
+          <p:nvPr/>
+        </p:nvPicPr>
+        <p:blipFill>
+          <a:blip r:embed="rId12">
+            <a:extLst>
+              <a:ext uri="{28A0092B-C50C-407E-A947-70E740481C1C}">
+                <a14:useLocalDpi xmlns:a14="http://schemas.microsoft.com/office/drawing/2010/main" val="0"/>
+              </a:ext>
+              <a:ext uri="{96DAC541-7B7A-43D3-8B79-37D633B846F1}">
+                <asvg:svgBlip xmlns:asvg="http://schemas.microsoft.com/office/drawing/2016/SVG/main" r:embed="rId13"/>
+              </a:ext>
+            </a:extLst>
+          </a:blip>
+          <a:stretch>
+            <a:fillRect/>
+          </a:stretch>
+        </p:blipFill>
+        <p:spPr>
+          <a:xfrm>
+            <a:off x="10738579" y="2390609"/>
+            <a:ext cx="914400" cy="914400"/>
+          </a:xfrm>
+          <a:prstGeom prst="rect">
+            <a:avLst/>
+          </a:prstGeom>
+        </p:spPr>
+      </p:pic>
+      <p:cxnSp>
+        <p:nvCxnSpPr>
+          <p:cNvPr id="34" name="直線單箭頭接點 33">
+            <a:extLst>
+              <a:ext uri="{FF2B5EF4-FFF2-40B4-BE49-F238E27FC236}">
+                <a16:creationId xmlns:a16="http://schemas.microsoft.com/office/drawing/2014/main" id="{21E54556-9E5E-40EC-8D60-08652898862B}"/>
+              </a:ext>
+            </a:extLst>
+          </p:cNvPr>
+          <p:cNvCxnSpPr>
+            <a:cxnSpLocks/>
+            <a:endCxn id="1026" idx="1"/>
+          </p:cNvCxnSpPr>
+          <p:nvPr/>
+        </p:nvCxnSpPr>
+        <p:spPr>
+          <a:xfrm>
+            <a:off x="6040015" y="2847809"/>
+            <a:ext cx="1675436" cy="0"/>
+          </a:xfrm>
+          <a:prstGeom prst="straightConnector1">
+            <a:avLst/>
+          </a:prstGeom>
+          <a:ln w="57150" cap="flat" cmpd="sng" algn="ctr">
+            <a:solidFill>
+              <a:schemeClr val="dk1"/>
+            </a:solidFill>
+            <a:prstDash val="solid"/>
+            <a:round/>
+            <a:headEnd type="none" w="med" len="med"/>
+            <a:tailEnd type="arrow" w="med" len="med"/>
+          </a:ln>
+        </p:spPr>
+        <p:style>
+          <a:lnRef idx="0">
+            <a:scrgbClr r="0" g="0" b="0"/>
+          </a:lnRef>
+          <a:fillRef idx="0">
+            <a:scrgbClr r="0" g="0" b="0"/>
+          </a:fillRef>
+          <a:effectRef idx="0">
+            <a:scrgbClr r="0" g="0" b="0"/>
+          </a:effectRef>
+          <a:fontRef idx="minor">
+            <a:schemeClr val="tx1"/>
+          </a:fontRef>
+        </p:style>
+      </p:cxnSp>
+      <p:sp>
+        <p:nvSpPr>
+          <p:cNvPr id="35" name="文字方塊 34">
+            <a:extLst>
+              <a:ext uri="{FF2B5EF4-FFF2-40B4-BE49-F238E27FC236}">
+                <a16:creationId xmlns:a16="http://schemas.microsoft.com/office/drawing/2014/main" id="{F53710B2-F897-4351-8232-404524B41C37}"/>
+              </a:ext>
+            </a:extLst>
+          </p:cNvPr>
+          <p:cNvSpPr txBox="1"/>
+          <p:nvPr/>
+        </p:nvSpPr>
+        <p:spPr>
+          <a:xfrm>
+            <a:off x="5746656" y="2102443"/>
+            <a:ext cx="2262158" cy="646331"/>
+          </a:xfrm>
+          <a:prstGeom prst="rect">
+            <a:avLst/>
+          </a:prstGeom>
+          <a:noFill/>
+        </p:spPr>
+        <p:txBody>
+          <a:bodyPr wrap="none" rtlCol="0">
+            <a:spAutoFit/>
+          </a:bodyPr>
+          <a:lstStyle/>
+          <a:p>
+            <a:pPr algn="ctr"/>
+            <a:r>
+              <a:rPr lang="zh-TW" altLang="en-US" dirty="0"/>
+              <a:t>取得使用者資訊後</a:t>
+            </a:r>
+            <a:endParaRPr lang="en-US" altLang="zh-TW" dirty="0"/>
+          </a:p>
+          <a:p>
+            <a:pPr algn="ctr"/>
+            <a:r>
+              <a:rPr lang="zh-TW" altLang="en-US" dirty="0"/>
+              <a:t>呼叫樹梅派取得資料</a:t>
+            </a:r>
+          </a:p>
+        </p:txBody>
+      </p:sp>
+      <p:cxnSp>
+        <p:nvCxnSpPr>
+          <p:cNvPr id="38" name="直線單箭頭接點 37">
+            <a:extLst>
+              <a:ext uri="{FF2B5EF4-FFF2-40B4-BE49-F238E27FC236}">
+                <a16:creationId xmlns:a16="http://schemas.microsoft.com/office/drawing/2014/main" id="{1C3C9977-9A61-46C2-B898-CAFFFC790DD0}"/>
+              </a:ext>
+            </a:extLst>
+          </p:cNvPr>
+          <p:cNvCxnSpPr>
+            <a:cxnSpLocks/>
+          </p:cNvCxnSpPr>
+          <p:nvPr/>
+        </p:nvCxnSpPr>
+        <p:spPr>
+          <a:xfrm flipH="1">
+            <a:off x="6040015" y="3112176"/>
+            <a:ext cx="1675436" cy="0"/>
+          </a:xfrm>
+          <a:prstGeom prst="straightConnector1">
+            <a:avLst/>
+          </a:prstGeom>
+          <a:ln w="57150" cap="flat" cmpd="sng" algn="ctr">
+            <a:solidFill>
+              <a:schemeClr val="dk1"/>
+            </a:solidFill>
+            <a:prstDash val="solid"/>
+            <a:round/>
+            <a:headEnd type="none" w="med" len="med"/>
+            <a:tailEnd type="arrow" w="med" len="med"/>
+          </a:ln>
+        </p:spPr>
+        <p:style>
+          <a:lnRef idx="0">
+            <a:scrgbClr r="0" g="0" b="0"/>
+          </a:lnRef>
+          <a:fillRef idx="0">
+            <a:scrgbClr r="0" g="0" b="0"/>
+          </a:fillRef>
+          <a:effectRef idx="0">
+            <a:scrgbClr r="0" g="0" b="0"/>
+          </a:effectRef>
+          <a:fontRef idx="minor">
+            <a:schemeClr val="tx1"/>
+          </a:fontRef>
+        </p:style>
+      </p:cxnSp>
+      <p:sp>
+        <p:nvSpPr>
+          <p:cNvPr id="41" name="文字方塊 40">
+            <a:extLst>
+              <a:ext uri="{FF2B5EF4-FFF2-40B4-BE49-F238E27FC236}">
+                <a16:creationId xmlns:a16="http://schemas.microsoft.com/office/drawing/2014/main" id="{A2063B44-6275-4070-AA29-D842AB3D630E}"/>
+              </a:ext>
+            </a:extLst>
+          </p:cNvPr>
+          <p:cNvSpPr txBox="1"/>
+          <p:nvPr/>
+        </p:nvSpPr>
+        <p:spPr>
+          <a:xfrm>
+            <a:off x="5845798" y="3213177"/>
+            <a:ext cx="2262158" cy="369332"/>
+          </a:xfrm>
+          <a:prstGeom prst="rect">
+            <a:avLst/>
+          </a:prstGeom>
+          <a:noFill/>
+        </p:spPr>
+        <p:txBody>
+          <a:bodyPr wrap="none" rtlCol="0">
+            <a:spAutoFit/>
+          </a:bodyPr>
+          <a:lstStyle/>
+          <a:p>
+            <a:pPr algn="ctr"/>
+            <a:r>
+              <a:rPr lang="zh-TW" altLang="en-US" dirty="0"/>
+              <a:t>樹梅派回傳感測資料</a:t>
+            </a:r>
+          </a:p>
+        </p:txBody>
+      </p:sp>
+      <p:cxnSp>
+        <p:nvCxnSpPr>
+          <p:cNvPr id="45" name="直線單箭頭接點 44">
+            <a:extLst>
+              <a:ext uri="{FF2B5EF4-FFF2-40B4-BE49-F238E27FC236}">
+                <a16:creationId xmlns:a16="http://schemas.microsoft.com/office/drawing/2014/main" id="{F573CC13-D31C-4FBE-B1CA-B9EDB3F61BBD}"/>
+              </a:ext>
+            </a:extLst>
+          </p:cNvPr>
+          <p:cNvCxnSpPr>
+            <a:cxnSpLocks/>
+            <a:stCxn id="31" idx="1"/>
+            <a:endCxn id="1026" idx="3"/>
+          </p:cNvCxnSpPr>
+          <p:nvPr/>
+        </p:nvCxnSpPr>
+        <p:spPr>
+          <a:xfrm flipH="1">
+            <a:off x="9620451" y="2847809"/>
+            <a:ext cx="1118128" cy="0"/>
+          </a:xfrm>
+          <a:prstGeom prst="straightConnector1">
+            <a:avLst/>
+          </a:prstGeom>
+          <a:ln w="38100">
+            <a:solidFill>
+              <a:schemeClr val="tx1"/>
+            </a:solidFill>
+            <a:headEnd type="triangle"/>
+            <a:tailEnd type="triangle"/>
+          </a:ln>
+        </p:spPr>
+        <p:style>
+          <a:lnRef idx="1">
+            <a:schemeClr val="accent1"/>
+          </a:lnRef>
+          <a:fillRef idx="0">
+            <a:schemeClr val="accent1"/>
+          </a:fillRef>
+          <a:effectRef idx="0">
+            <a:schemeClr val="accent1"/>
+          </a:effectRef>
+          <a:fontRef idx="minor">
+            <a:schemeClr val="tx1"/>
+          </a:fontRef>
+        </p:style>
+      </p:cxnSp>
+      <p:cxnSp>
+        <p:nvCxnSpPr>
+          <p:cNvPr id="1027" name="直線單箭頭接點 1026">
+            <a:extLst>
+              <a:ext uri="{FF2B5EF4-FFF2-40B4-BE49-F238E27FC236}">
+                <a16:creationId xmlns:a16="http://schemas.microsoft.com/office/drawing/2014/main" id="{262696EE-9D7C-4126-B2EF-A3CD1EAF6B46}"/>
+              </a:ext>
+            </a:extLst>
+          </p:cNvPr>
+          <p:cNvCxnSpPr>
+            <a:cxnSpLocks/>
+          </p:cNvCxnSpPr>
+          <p:nvPr/>
+        </p:nvCxnSpPr>
+        <p:spPr>
+          <a:xfrm>
+            <a:off x="5477282" y="3747308"/>
+            <a:ext cx="0" cy="1087017"/>
+          </a:xfrm>
+          <a:prstGeom prst="straightConnector1">
+            <a:avLst/>
+          </a:prstGeom>
+          <a:ln w="57150" cap="flat" cmpd="sng" algn="ctr">
+            <a:solidFill>
+              <a:schemeClr val="dk1"/>
+            </a:solidFill>
+            <a:prstDash val="solid"/>
+            <a:round/>
+            <a:headEnd type="none" w="med" len="med"/>
+            <a:tailEnd type="arrow" w="med" len="med"/>
+          </a:ln>
+        </p:spPr>
+        <p:style>
+          <a:lnRef idx="0">
+            <a:scrgbClr r="0" g="0" b="0"/>
+          </a:lnRef>
+          <a:fillRef idx="0">
+            <a:scrgbClr r="0" g="0" b="0"/>
+          </a:fillRef>
+          <a:effectRef idx="0">
+            <a:scrgbClr r="0" g="0" b="0"/>
+          </a:effectRef>
+          <a:fontRef idx="minor">
+            <a:schemeClr val="tx1"/>
+          </a:fontRef>
+        </p:style>
+      </p:cxnSp>
+      <p:pic>
+        <p:nvPicPr>
+          <p:cNvPr id="1030" name="圖形 1029" descr="資料庫 以實心填滿">
+            <a:extLst>
+              <a:ext uri="{FF2B5EF4-FFF2-40B4-BE49-F238E27FC236}">
+                <a16:creationId xmlns:a16="http://schemas.microsoft.com/office/drawing/2014/main" id="{70E1E298-242D-47B4-B4F0-FA343839F41D}"/>
+              </a:ext>
+            </a:extLst>
+          </p:cNvPr>
+          <p:cNvPicPr>
+            <a:picLocks noChangeAspect="1"/>
+          </p:cNvPicPr>
+          <p:nvPr/>
+        </p:nvPicPr>
+        <p:blipFill>
+          <a:blip r:embed="rId14">
+            <a:extLst>
+              <a:ext uri="{28A0092B-C50C-407E-A947-70E740481C1C}">
+                <a14:useLocalDpi xmlns:a14="http://schemas.microsoft.com/office/drawing/2010/main" val="0"/>
+              </a:ext>
+              <a:ext uri="{96DAC541-7B7A-43D3-8B79-37D633B846F1}">
+                <asvg:svgBlip xmlns:asvg="http://schemas.microsoft.com/office/drawing/2016/SVG/main" r:embed="rId15"/>
+              </a:ext>
+            </a:extLst>
+          </a:blip>
+          <a:stretch>
+            <a:fillRect/>
+          </a:stretch>
+        </p:blipFill>
+        <p:spPr>
+          <a:xfrm>
+            <a:off x="4852131" y="4955995"/>
+            <a:ext cx="914400" cy="914400"/>
+          </a:xfrm>
+          <a:prstGeom prst="rect">
+            <a:avLst/>
+          </a:prstGeom>
+        </p:spPr>
+      </p:pic>
+      <p:cxnSp>
+        <p:nvCxnSpPr>
+          <p:cNvPr id="28" name="直線單箭頭接點 27">
+            <a:extLst>
+              <a:ext uri="{FF2B5EF4-FFF2-40B4-BE49-F238E27FC236}">
+                <a16:creationId xmlns:a16="http://schemas.microsoft.com/office/drawing/2014/main" id="{7B00C6CE-89E1-4B7D-AA44-E9BBAFD4B760}"/>
+              </a:ext>
+            </a:extLst>
+          </p:cNvPr>
+          <p:cNvCxnSpPr>
+            <a:cxnSpLocks/>
+          </p:cNvCxnSpPr>
+          <p:nvPr/>
+        </p:nvCxnSpPr>
+        <p:spPr>
+          <a:xfrm flipV="1">
+            <a:off x="5177183" y="3742643"/>
+            <a:ext cx="0" cy="1091682"/>
+          </a:xfrm>
+          <a:prstGeom prst="straightConnector1">
+            <a:avLst/>
+          </a:prstGeom>
+          <a:ln w="57150" cap="flat" cmpd="sng" algn="ctr">
+            <a:solidFill>
+              <a:schemeClr val="dk1"/>
+            </a:solidFill>
+            <a:prstDash val="solid"/>
+            <a:round/>
+            <a:headEnd type="none" w="med" len="med"/>
+            <a:tailEnd type="arrow" w="med" len="med"/>
+          </a:ln>
+        </p:spPr>
+        <p:style>
+          <a:lnRef idx="0">
+            <a:scrgbClr r="0" g="0" b="0"/>
+          </a:lnRef>
+          <a:fillRef idx="0">
+            <a:scrgbClr r="0" g="0" b="0"/>
+          </a:fillRef>
+          <a:effectRef idx="0">
+            <a:scrgbClr r="0" g="0" b="0"/>
+          </a:effectRef>
+          <a:fontRef idx="minor">
+            <a:schemeClr val="tx1"/>
+          </a:fontRef>
+        </p:style>
+      </p:cxnSp>
+      <p:sp>
+        <p:nvSpPr>
+          <p:cNvPr id="36" name="文字方塊 35">
+            <a:extLst>
+              <a:ext uri="{FF2B5EF4-FFF2-40B4-BE49-F238E27FC236}">
+                <a16:creationId xmlns:a16="http://schemas.microsoft.com/office/drawing/2014/main" id="{139B493B-BDFF-4D78-A4C5-9F779861E0A1}"/>
+              </a:ext>
+            </a:extLst>
+          </p:cNvPr>
+          <p:cNvSpPr txBox="1"/>
+          <p:nvPr/>
+        </p:nvSpPr>
+        <p:spPr>
+          <a:xfrm>
+            <a:off x="5546071" y="3883880"/>
+            <a:ext cx="1800493" cy="646331"/>
+          </a:xfrm>
+          <a:prstGeom prst="rect">
+            <a:avLst/>
+          </a:prstGeom>
+          <a:noFill/>
+        </p:spPr>
+        <p:txBody>
+          <a:bodyPr wrap="none" rtlCol="0">
+            <a:spAutoFit/>
+          </a:bodyPr>
+          <a:lstStyle/>
+          <a:p>
+            <a:pPr algn="ctr"/>
+            <a:r>
+              <a:rPr lang="zh-TW" altLang="en-US" dirty="0"/>
+              <a:t>用</a:t>
+            </a:r>
+            <a:r>
+              <a:rPr lang="en-US" altLang="zh-TW" dirty="0"/>
+              <a:t>Token</a:t>
+            </a:r>
+            <a:r>
+              <a:rPr lang="zh-TW" altLang="en-US" dirty="0"/>
+              <a:t>取得</a:t>
+            </a:r>
+            <a:endParaRPr lang="en-US" altLang="zh-TW" dirty="0"/>
+          </a:p>
+          <a:p>
+            <a:pPr algn="ctr"/>
+            <a:r>
+              <a:rPr lang="zh-TW" altLang="en-US" dirty="0"/>
+              <a:t>使用者基本資料</a:t>
+            </a:r>
+            <a:endParaRPr lang="en-US" altLang="zh-TW" dirty="0"/>
+          </a:p>
+        </p:txBody>
+      </p:sp>
+      <p:sp>
+        <p:nvSpPr>
+          <p:cNvPr id="37" name="文字方塊 36">
+            <a:extLst>
+              <a:ext uri="{FF2B5EF4-FFF2-40B4-BE49-F238E27FC236}">
+                <a16:creationId xmlns:a16="http://schemas.microsoft.com/office/drawing/2014/main" id="{DDE1C3E4-F160-4EE1-9E1D-9DF594173D60}"/>
+              </a:ext>
+            </a:extLst>
+          </p:cNvPr>
+          <p:cNvSpPr txBox="1"/>
+          <p:nvPr/>
+        </p:nvSpPr>
+        <p:spPr>
+          <a:xfrm>
+            <a:off x="3462165" y="4048836"/>
+            <a:ext cx="1569660" cy="369332"/>
+          </a:xfrm>
+          <a:prstGeom prst="rect">
+            <a:avLst/>
+          </a:prstGeom>
+          <a:noFill/>
+        </p:spPr>
+        <p:txBody>
+          <a:bodyPr wrap="none" rtlCol="0">
+            <a:spAutoFit/>
+          </a:bodyPr>
+          <a:lstStyle/>
+          <a:p>
+            <a:pPr algn="ctr"/>
+            <a:r>
+              <a:rPr lang="zh-TW" altLang="en-US" dirty="0"/>
+              <a:t>回傳基本資料</a:t>
+            </a:r>
+            <a:endParaRPr lang="en-US" altLang="zh-TW" dirty="0"/>
+          </a:p>
+        </p:txBody>
+      </p:sp>
+      <p:pic>
+        <p:nvPicPr>
+          <p:cNvPr id="40" name="圖形 39" descr="資料庫 以實心填滿">
+            <a:extLst>
+              <a:ext uri="{FF2B5EF4-FFF2-40B4-BE49-F238E27FC236}">
+                <a16:creationId xmlns:a16="http://schemas.microsoft.com/office/drawing/2014/main" id="{F235D88F-462A-4838-97F6-2547932B9781}"/>
+              </a:ext>
+            </a:extLst>
+          </p:cNvPr>
+          <p:cNvPicPr>
+            <a:picLocks noChangeAspect="1"/>
+          </p:cNvPicPr>
+          <p:nvPr/>
+        </p:nvPicPr>
+        <p:blipFill>
+          <a:blip r:embed="rId14">
+            <a:extLst>
+              <a:ext uri="{28A0092B-C50C-407E-A947-70E740481C1C}">
+                <a14:useLocalDpi xmlns:a14="http://schemas.microsoft.com/office/drawing/2010/main" val="0"/>
+              </a:ext>
+              <a:ext uri="{96DAC541-7B7A-43D3-8B79-37D633B846F1}">
+                <asvg:svgBlip xmlns:asvg="http://schemas.microsoft.com/office/drawing/2016/SVG/main" r:embed="rId15"/>
+              </a:ext>
+            </a:extLst>
+          </a:blip>
+          <a:stretch>
+            <a:fillRect/>
+          </a:stretch>
+        </p:blipFill>
+        <p:spPr>
+          <a:xfrm>
+            <a:off x="4852131" y="35775"/>
+            <a:ext cx="914400" cy="914400"/>
+          </a:xfrm>
+          <a:prstGeom prst="rect">
+            <a:avLst/>
+          </a:prstGeom>
+        </p:spPr>
+      </p:pic>
+      <p:cxnSp>
+        <p:nvCxnSpPr>
+          <p:cNvPr id="43" name="直線單箭頭接點 42">
+            <a:extLst>
+              <a:ext uri="{FF2B5EF4-FFF2-40B4-BE49-F238E27FC236}">
+                <a16:creationId xmlns:a16="http://schemas.microsoft.com/office/drawing/2014/main" id="{602B99BB-B2F0-46B2-9904-420D96CA2DAF}"/>
+              </a:ext>
+            </a:extLst>
+          </p:cNvPr>
+          <p:cNvCxnSpPr>
+            <a:cxnSpLocks/>
+          </p:cNvCxnSpPr>
+          <p:nvPr/>
+        </p:nvCxnSpPr>
+        <p:spPr>
+          <a:xfrm flipV="1">
+            <a:off x="5313576" y="993599"/>
+            <a:ext cx="0" cy="1091682"/>
+          </a:xfrm>
+          <a:prstGeom prst="straightConnector1">
+            <a:avLst/>
+          </a:prstGeom>
+          <a:ln w="57150" cap="flat" cmpd="sng" algn="ctr">
+            <a:solidFill>
+              <a:schemeClr val="dk1"/>
+            </a:solidFill>
+            <a:prstDash val="solid"/>
+            <a:round/>
+            <a:headEnd type="none" w="med" len="med"/>
+            <a:tailEnd type="arrow" w="med" len="med"/>
+          </a:ln>
+        </p:spPr>
+        <p:style>
+          <a:lnRef idx="0">
+            <a:scrgbClr r="0" g="0" b="0"/>
+          </a:lnRef>
+          <a:fillRef idx="0">
+            <a:scrgbClr r="0" g="0" b="0"/>
+          </a:fillRef>
+          <a:effectRef idx="0">
+            <a:scrgbClr r="0" g="0" b="0"/>
+          </a:effectRef>
+          <a:fontRef idx="minor">
+            <a:schemeClr val="tx1"/>
+          </a:fontRef>
+        </p:style>
+      </p:cxnSp>
+      <p:sp>
+        <p:nvSpPr>
+          <p:cNvPr id="44" name="文字方塊 43">
+            <a:extLst>
+              <a:ext uri="{FF2B5EF4-FFF2-40B4-BE49-F238E27FC236}">
+                <a16:creationId xmlns:a16="http://schemas.microsoft.com/office/drawing/2014/main" id="{EEAC2818-D40D-4B37-98B5-6D9275C2D074}"/>
+              </a:ext>
+            </a:extLst>
+          </p:cNvPr>
+          <p:cNvSpPr txBox="1"/>
+          <p:nvPr/>
+        </p:nvSpPr>
+        <p:spPr>
+          <a:xfrm>
+            <a:off x="9481071" y="2102443"/>
+            <a:ext cx="1338828" cy="646331"/>
+          </a:xfrm>
+          <a:prstGeom prst="rect">
+            <a:avLst/>
+          </a:prstGeom>
+          <a:noFill/>
+        </p:spPr>
+        <p:txBody>
+          <a:bodyPr wrap="none" rtlCol="0">
+            <a:spAutoFit/>
+          </a:bodyPr>
+          <a:lstStyle/>
+          <a:p>
+            <a:pPr algn="ctr"/>
+            <a:r>
+              <a:rPr lang="zh-TW" altLang="en-US" dirty="0"/>
+              <a:t>樹梅派取得</a:t>
+            </a:r>
+            <a:endParaRPr lang="en-US" altLang="zh-TW" dirty="0"/>
+          </a:p>
+          <a:p>
+            <a:pPr algn="ctr"/>
+            <a:r>
+              <a:rPr lang="zh-TW" altLang="en-US" dirty="0"/>
+              <a:t>感測器資料</a:t>
+            </a:r>
+            <a:endParaRPr lang="en-US" altLang="zh-TW" dirty="0"/>
+          </a:p>
+        </p:txBody>
+      </p:sp>
+      <p:sp>
+        <p:nvSpPr>
+          <p:cNvPr id="47" name="文字方塊 46">
+            <a:extLst>
+              <a:ext uri="{FF2B5EF4-FFF2-40B4-BE49-F238E27FC236}">
+                <a16:creationId xmlns:a16="http://schemas.microsoft.com/office/drawing/2014/main" id="{C4C6E936-2BBB-4144-BD4F-97F175ED053A}"/>
+              </a:ext>
+            </a:extLst>
+          </p:cNvPr>
+          <p:cNvSpPr txBox="1"/>
+          <p:nvPr/>
+        </p:nvSpPr>
+        <p:spPr>
+          <a:xfrm>
+            <a:off x="5698471" y="1340443"/>
+            <a:ext cx="1569660" cy="646331"/>
+          </a:xfrm>
+          <a:prstGeom prst="rect">
+            <a:avLst/>
+          </a:prstGeom>
+          <a:noFill/>
+        </p:spPr>
+        <p:txBody>
+          <a:bodyPr wrap="none" rtlCol="0">
+            <a:spAutoFit/>
+          </a:bodyPr>
+          <a:lstStyle/>
+          <a:p>
+            <a:pPr algn="ctr"/>
+            <a:r>
+              <a:rPr lang="zh-TW" altLang="en-US" dirty="0"/>
+              <a:t>將感測資料</a:t>
+            </a:r>
+            <a:endParaRPr lang="en-US" altLang="zh-TW" dirty="0"/>
+          </a:p>
+          <a:p>
+            <a:pPr algn="ctr"/>
+            <a:r>
+              <a:rPr lang="zh-TW" altLang="en-US" dirty="0"/>
+              <a:t>輸入進資料庫</a:t>
+            </a:r>
+            <a:endParaRPr lang="en-US" altLang="zh-TW" dirty="0"/>
+          </a:p>
+        </p:txBody>
+      </p:sp>
+    </p:spTree>
+    <p:extLst>
+      <p:ext uri="{BB962C8B-B14F-4D97-AF65-F5344CB8AC3E}">
+        <p14:creationId xmlns:p14="http://schemas.microsoft.com/office/powerpoint/2010/main" val="1156198029"/>
+      </p:ext>
+    </p:extLst>
+  </p:cSld>
+  <p:clrMapOvr>
+    <a:masterClrMapping/>
+  </p:clrMapOvr>
+</p:sld>
+</file>
+
+<file path=ppt/slides/slide3.xml><?xml version="1.0" encoding="utf-8"?>
 <p:sld xmlns:a="http://schemas.openxmlformats.org/drawingml/2006/main" xmlns:r="http://schemas.openxmlformats.org/officeDocument/2006/relationships" xmlns:p="http://schemas.openxmlformats.org/presentationml/2006/main">
   <p:cSld>
     <p:bg>
@@ -3793,7 +5111,7 @@
 </p:sld>
 </file>
 
-<file path=ppt/slides/slide3.xml><?xml version="1.0" encoding="utf-8"?>
+<file path=ppt/slides/slide4.xml><?xml version="1.0" encoding="utf-8"?>
 <p:sld xmlns:a="http://schemas.openxmlformats.org/drawingml/2006/main" xmlns:r="http://schemas.openxmlformats.org/officeDocument/2006/relationships" xmlns:p="http://schemas.openxmlformats.org/presentationml/2006/main">
   <p:cSld>
     <p:spTree>
@@ -4114,7 +5432,7 @@
 </p:sld>
 </file>
 
-<file path=ppt/slides/slide4.xml><?xml version="1.0" encoding="utf-8"?>
+<file path=ppt/slides/slide5.xml><?xml version="1.0" encoding="utf-8"?>
 <p:sld xmlns:a="http://schemas.openxmlformats.org/drawingml/2006/main" xmlns:r="http://schemas.openxmlformats.org/officeDocument/2006/relationships" xmlns:p="http://schemas.openxmlformats.org/presentationml/2006/main">
   <p:cSld>
     <p:bg>
@@ -4518,7 +5836,7 @@
 </p:sld>
 </file>
 
-<file path=ppt/slides/slide5.xml><?xml version="1.0" encoding="utf-8"?>
+<file path=ppt/slides/slide6.xml><?xml version="1.0" encoding="utf-8"?>
 <p:sld xmlns:a="http://schemas.openxmlformats.org/drawingml/2006/main" xmlns:r="http://schemas.openxmlformats.org/officeDocument/2006/relationships" xmlns:p="http://schemas.openxmlformats.org/presentationml/2006/main">
   <p:cSld>
     <p:spTree>
@@ -4609,7 +5927,7 @@
 </p:sld>
 </file>
 
-<file path=ppt/slides/slide6.xml><?xml version="1.0" encoding="utf-8"?>
+<file path=ppt/slides/slide7.xml><?xml version="1.0" encoding="utf-8"?>
 <p:sld xmlns:a="http://schemas.openxmlformats.org/drawingml/2006/main" xmlns:r="http://schemas.openxmlformats.org/officeDocument/2006/relationships" xmlns:p="http://schemas.openxmlformats.org/presentationml/2006/main">
   <p:cSld>
     <p:bg>
@@ -5011,7 +6329,7 @@
 </p:sld>
 </file>
 
-<file path=ppt/slides/slide7.xml><?xml version="1.0" encoding="utf-8"?>
+<file path=ppt/slides/slide8.xml><?xml version="1.0" encoding="utf-8"?>
 <p:sld xmlns:a="http://schemas.openxmlformats.org/drawingml/2006/main" xmlns:r="http://schemas.openxmlformats.org/officeDocument/2006/relationships" xmlns:p="http://schemas.openxmlformats.org/presentationml/2006/main">
   <p:cSld>
     <p:spTree>
@@ -5102,7 +6420,7 @@
 </p:sld>
 </file>
 
-<file path=ppt/slides/slide8.xml><?xml version="1.0" encoding="utf-8"?>
+<file path=ppt/slides/slide9.xml><?xml version="1.0" encoding="utf-8"?>
 <p:sld xmlns:a="http://schemas.openxmlformats.org/drawingml/2006/main" xmlns:r="http://schemas.openxmlformats.org/officeDocument/2006/relationships" xmlns:p="http://schemas.openxmlformats.org/presentationml/2006/main">
   <p:cSld>
     <p:bg>
@@ -5533,280 +6851,6 @@
     <p:extLst>
       <p:ext uri="{BB962C8B-B14F-4D97-AF65-F5344CB8AC3E}">
         <p14:creationId xmlns:p14="http://schemas.microsoft.com/office/powerpoint/2010/main" val="1221493735"/>
-      </p:ext>
-    </p:extLst>
-  </p:cSld>
-  <p:clrMapOvr>
-    <a:masterClrMapping/>
-  </p:clrMapOvr>
-</p:sld>
-</file>
-
-<file path=ppt/slides/slide9.xml><?xml version="1.0" encoding="utf-8"?>
-<p:sld xmlns:a="http://schemas.openxmlformats.org/drawingml/2006/main" xmlns:r="http://schemas.openxmlformats.org/officeDocument/2006/relationships" xmlns:p="http://schemas.openxmlformats.org/presentationml/2006/main">
-  <p:cSld>
-    <p:spTree>
-      <p:nvGrpSpPr>
-        <p:cNvPr id="1" name=""/>
-        <p:cNvGrpSpPr/>
-        <p:nvPr/>
-      </p:nvGrpSpPr>
-      <p:grpSpPr>
-        <a:xfrm>
-          <a:off x="0" y="0"/>
-          <a:ext cx="0" cy="0"/>
-          <a:chOff x="0" y="0"/>
-          <a:chExt cx="0" cy="0"/>
-        </a:xfrm>
-      </p:grpSpPr>
-      <p:sp>
-        <p:nvSpPr>
-          <p:cNvPr id="6" name="標題 5">
-            <a:extLst>
-              <a:ext uri="{FF2B5EF4-FFF2-40B4-BE49-F238E27FC236}">
-                <a16:creationId xmlns:a16="http://schemas.microsoft.com/office/drawing/2014/main" id="{5E1AFBEE-E0B8-4E2A-B75B-4DFC2F946F13}"/>
-              </a:ext>
-            </a:extLst>
-          </p:cNvPr>
-          <p:cNvSpPr>
-            <a:spLocks noGrp="1"/>
-          </p:cNvSpPr>
-          <p:nvPr>
-            <p:ph type="title"/>
-          </p:nvPr>
-        </p:nvSpPr>
-        <p:spPr/>
-        <p:txBody>
-          <a:bodyPr/>
-          <a:lstStyle/>
-          <a:p>
-            <a:r>
-              <a:rPr lang="en-US" altLang="zh-TW" dirty="0"/>
-              <a:t>MTKA1</a:t>
-            </a:r>
-            <a:r>
-              <a:rPr lang="zh-TW" altLang="en-US" dirty="0"/>
-              <a:t>體重計封包解析</a:t>
-            </a:r>
-          </a:p>
-        </p:txBody>
-      </p:sp>
-      <p:sp>
-        <p:nvSpPr>
-          <p:cNvPr id="9" name="內容版面配置區 8">
-            <a:extLst>
-              <a:ext uri="{FF2B5EF4-FFF2-40B4-BE49-F238E27FC236}">
-                <a16:creationId xmlns:a16="http://schemas.microsoft.com/office/drawing/2014/main" id="{BF636E14-981C-4D93-8A48-A665498156CE}"/>
-              </a:ext>
-            </a:extLst>
-          </p:cNvPr>
-          <p:cNvSpPr>
-            <a:spLocks noGrp="1"/>
-          </p:cNvSpPr>
-          <p:nvPr>
-            <p:ph sz="half" idx="1"/>
-          </p:nvPr>
-        </p:nvSpPr>
-        <p:spPr/>
-        <p:txBody>
-          <a:bodyPr/>
-          <a:lstStyle/>
-          <a:p>
-            <a:r>
-              <a:rPr lang="zh-TW" altLang="en-US" dirty="0"/>
-              <a:t>開啟掃描並監聽</a:t>
-            </a:r>
-            <a:endParaRPr lang="en-US" altLang="zh-TW" dirty="0"/>
-          </a:p>
-          <a:p>
-            <a:r>
-              <a:rPr lang="zh-TW" altLang="en-US" dirty="0"/>
-              <a:t>資料精度到小數一位</a:t>
-            </a:r>
-            <a:endParaRPr lang="en-US" altLang="zh-TW" dirty="0"/>
-          </a:p>
-          <a:p>
-            <a:r>
-              <a:rPr lang="en-US" altLang="zh-TW" dirty="0"/>
-              <a:t>HEX(57) = DEC(87)/10 = 8.7KG</a:t>
-            </a:r>
-          </a:p>
-          <a:p>
-            <a:r>
-              <a:rPr lang="en-US" altLang="zh-TW" dirty="0"/>
-              <a:t>HEX(013b) = DEC(315)/10 = 31.5KG</a:t>
-            </a:r>
-            <a:endParaRPr lang="zh-TW" altLang="en-US" dirty="0"/>
-          </a:p>
-        </p:txBody>
-      </p:sp>
-      <p:pic>
-        <p:nvPicPr>
-          <p:cNvPr id="10" name="內容版面配置區 4">
-            <a:extLst>
-              <a:ext uri="{FF2B5EF4-FFF2-40B4-BE49-F238E27FC236}">
-                <a16:creationId xmlns:a16="http://schemas.microsoft.com/office/drawing/2014/main" id="{AC08B6D2-520C-44EE-A0D0-8D428796C8DC}"/>
-              </a:ext>
-            </a:extLst>
-          </p:cNvPr>
-          <p:cNvPicPr>
-            <a:picLocks noGrp="1" noChangeAspect="1"/>
-          </p:cNvPicPr>
-          <p:nvPr>
-            <p:ph sz="half" idx="2"/>
-          </p:nvPr>
-        </p:nvPicPr>
-        <p:blipFill>
-          <a:blip r:embed="rId2"/>
-          <a:stretch>
-            <a:fillRect/>
-          </a:stretch>
-        </p:blipFill>
-        <p:spPr>
-          <a:xfrm>
-            <a:off x="6338319" y="2638044"/>
-            <a:ext cx="5836256" cy="3101226"/>
-          </a:xfrm>
-        </p:spPr>
-      </p:pic>
-      <p:pic>
-        <p:nvPicPr>
-          <p:cNvPr id="12" name="圖片 11">
-            <a:extLst>
-              <a:ext uri="{FF2B5EF4-FFF2-40B4-BE49-F238E27FC236}">
-                <a16:creationId xmlns:a16="http://schemas.microsoft.com/office/drawing/2014/main" id="{F788D4E7-24B3-4F21-9C13-A42DFAA7CE7E}"/>
-              </a:ext>
-            </a:extLst>
-          </p:cNvPr>
-          <p:cNvPicPr>
-            <a:picLocks noChangeAspect="1"/>
-          </p:cNvPicPr>
-          <p:nvPr/>
-        </p:nvPicPr>
-        <p:blipFill>
-          <a:blip r:embed="rId3"/>
-          <a:stretch>
-            <a:fillRect/>
-          </a:stretch>
-        </p:blipFill>
-        <p:spPr>
-          <a:xfrm>
-            <a:off x="6338318" y="5823173"/>
-            <a:ext cx="5846975" cy="557962"/>
-          </a:xfrm>
-          <a:prstGeom prst="rect">
-            <a:avLst/>
-          </a:prstGeom>
-        </p:spPr>
-      </p:pic>
-      <p:sp>
-        <p:nvSpPr>
-          <p:cNvPr id="13" name="矩形 12">
-            <a:extLst>
-              <a:ext uri="{FF2B5EF4-FFF2-40B4-BE49-F238E27FC236}">
-                <a16:creationId xmlns:a16="http://schemas.microsoft.com/office/drawing/2014/main" id="{EA132666-D5E6-4063-912C-7B5C69536216}"/>
-              </a:ext>
-            </a:extLst>
-          </p:cNvPr>
-          <p:cNvSpPr/>
-          <p:nvPr/>
-        </p:nvSpPr>
-        <p:spPr>
-          <a:xfrm>
-            <a:off x="8445910" y="5260258"/>
-            <a:ext cx="580103" cy="334297"/>
-          </a:xfrm>
-          <a:prstGeom prst="rect">
-            <a:avLst/>
-          </a:prstGeom>
-          <a:noFill/>
-          <a:ln w="57150">
-            <a:solidFill>
-              <a:srgbClr val="FFFF00"/>
-            </a:solidFill>
-          </a:ln>
-        </p:spPr>
-        <p:style>
-          <a:lnRef idx="2">
-            <a:schemeClr val="accent1">
-              <a:shade val="50000"/>
-            </a:schemeClr>
-          </a:lnRef>
-          <a:fillRef idx="1">
-            <a:schemeClr val="accent1"/>
-          </a:fillRef>
-          <a:effectRef idx="0">
-            <a:schemeClr val="accent1"/>
-          </a:effectRef>
-          <a:fontRef idx="minor">
-            <a:schemeClr val="lt1"/>
-          </a:fontRef>
-        </p:style>
-        <p:txBody>
-          <a:bodyPr rtlCol="0" anchor="ctr"/>
-          <a:lstStyle/>
-          <a:p>
-            <a:pPr algn="ctr"/>
-            <a:endParaRPr lang="zh-TW" altLang="en-US"/>
-          </a:p>
-        </p:txBody>
-      </p:sp>
-      <p:sp>
-        <p:nvSpPr>
-          <p:cNvPr id="16" name="矩形 15">
-            <a:extLst>
-              <a:ext uri="{FF2B5EF4-FFF2-40B4-BE49-F238E27FC236}">
-                <a16:creationId xmlns:a16="http://schemas.microsoft.com/office/drawing/2014/main" id="{0DE93CDE-8BB1-455E-B03E-F7345AC64791}"/>
-              </a:ext>
-            </a:extLst>
-          </p:cNvPr>
-          <p:cNvSpPr/>
-          <p:nvPr/>
-        </p:nvSpPr>
-        <p:spPr>
-          <a:xfrm>
-            <a:off x="8445910" y="5935005"/>
-            <a:ext cx="580103" cy="334297"/>
-          </a:xfrm>
-          <a:prstGeom prst="rect">
-            <a:avLst/>
-          </a:prstGeom>
-          <a:noFill/>
-          <a:ln w="57150">
-            <a:solidFill>
-              <a:srgbClr val="FFFF00"/>
-            </a:solidFill>
-          </a:ln>
-        </p:spPr>
-        <p:style>
-          <a:lnRef idx="2">
-            <a:schemeClr val="accent1">
-              <a:shade val="50000"/>
-            </a:schemeClr>
-          </a:lnRef>
-          <a:fillRef idx="1">
-            <a:schemeClr val="accent1"/>
-          </a:fillRef>
-          <a:effectRef idx="0">
-            <a:schemeClr val="accent1"/>
-          </a:effectRef>
-          <a:fontRef idx="minor">
-            <a:schemeClr val="lt1"/>
-          </a:fontRef>
-        </p:style>
-        <p:txBody>
-          <a:bodyPr rtlCol="0" anchor="ctr"/>
-          <a:lstStyle/>
-          <a:p>
-            <a:pPr algn="ctr"/>
-            <a:endParaRPr lang="zh-TW" altLang="en-US"/>
-          </a:p>
-        </p:txBody>
-      </p:sp>
-    </p:spTree>
-    <p:extLst>
-      <p:ext uri="{BB962C8B-B14F-4D97-AF65-F5344CB8AC3E}">
-        <p14:creationId xmlns:p14="http://schemas.microsoft.com/office/powerpoint/2010/main" val="3464799914"/>
       </p:ext>
     </p:extLst>
   </p:cSld>
